--- a/Linking Latin Philosophical Expressions.pptx
+++ b/Linking Latin Philosophical Expressions.pptx
@@ -6156,7 +6156,7 @@
           <a:p>
             <a:fld id="{28647F05-0506-494A-8060-3F395B947DF9}" type="datetimeFigureOut">
               <a:rPr lang="en-US" smtClean="0"/>
-              <a:t>5/23/2025</a:t>
+              <a:t>5/25/2025</a:t>
             </a:fld>
             <a:endParaRPr lang="en-US" dirty="0"/>
           </a:p>
@@ -6333,7 +6333,7 @@
           <a:p>
             <a:fld id="{08BC0A13-3F3D-45D4-B17C-1E0ACF36A6FB}" type="datetimeFigureOut">
               <a:rPr lang="en-US" smtClean="0"/>
-              <a:t>5/23/2025</a:t>
+              <a:t>5/25/2025</a:t>
             </a:fld>
             <a:endParaRPr lang="en-US" dirty="0"/>
           </a:p>
@@ -16837,7 +16837,7 @@
           </a:bodyPr>
           <a:lstStyle/>
           <a:p>
-            <a:pPr marL="0" indent="0">
+            <a:pPr marL="0" indent="0" algn="just">
               <a:buNone/>
             </a:pPr>
             <a:r>
@@ -16846,7 +16846,7 @@
             </a:r>
           </a:p>
           <a:p>
-            <a:pPr marL="0" indent="0">
+            <a:pPr marL="0" indent="0" algn="just">
               <a:buNone/>
             </a:pPr>
             <a:r>
@@ -16859,7 +16859,7 @@
             </a:r>
             <a:r>
               <a:rPr lang="en-US" dirty="0"/>
-              <a:t>. This allowed a modular approach that made possible to distinguish between content layers and annotation layers.</a:t>
+              <a:t>. This allowed a modular approach that made possible to distinguish between content layers and annotation layers. For the syntactic annotation, I used also Web Annotation.</a:t>
             </a:r>
           </a:p>
           <a:p>
@@ -17115,7 +17115,15 @@
             <a:pPr lvl="1"/>
             <a:r>
               <a:rPr lang="en-US" sz="2200" dirty="0"/>
-              <a:t>The relation is reified and it is of category “philosophy”</a:t>
+              <a:t>The relation is reified and it is of category “</a:t>
+            </a:r>
+            <a:r>
+              <a:rPr lang="en-US" sz="2200" dirty="0" err="1"/>
+              <a:t>philosophicalTranslation</a:t>
+            </a:r>
+            <a:r>
+              <a:rPr lang="en-US" sz="2200" dirty="0"/>
+              <a:t>”</a:t>
             </a:r>
           </a:p>
           <a:p>
@@ -19444,7 +19452,7 @@
             </a:r>
             <a:r>
               <a:rPr lang="en-US" sz="1700" dirty="0"/>
-              <a:t>-next for ordering</a:t>
+              <a:t>-next for linear ordering</a:t>
             </a:r>
           </a:p>
         </p:txBody>
@@ -20606,10 +20614,10 @@
       </p:sp>
       <p:pic>
         <p:nvPicPr>
-          <p:cNvPr id="4" name="Picture 3">
-            <a:extLst>
-              <a:ext uri="{FF2B5EF4-FFF2-40B4-BE49-F238E27FC236}">
-                <a16:creationId xmlns:a16="http://schemas.microsoft.com/office/drawing/2014/main" id="{3AE4710A-8A5F-84BC-DB7F-6B4441AE0FF6}"/>
+          <p:cNvPr id="9" name="Picture 8">
+            <a:extLst>
+              <a:ext uri="{FF2B5EF4-FFF2-40B4-BE49-F238E27FC236}">
+                <a16:creationId xmlns:a16="http://schemas.microsoft.com/office/drawing/2014/main" id="{AE383F7E-1351-62EE-6ED4-4BA0A9DC64D4}"/>
               </a:ext>
             </a:extLst>
           </p:cNvPr>
@@ -20626,8 +20634,8 @@
         </p:blipFill>
         <p:spPr>
           <a:xfrm>
-            <a:off x="5395465" y="407002"/>
-            <a:ext cx="5470174" cy="6040452"/>
+            <a:off x="4945363" y="632965"/>
+            <a:ext cx="6856004" cy="5905947"/>
           </a:xfrm>
           <a:prstGeom prst="rect">
             <a:avLst/>
@@ -21607,10 +21615,9 @@
               </a:lnSpc>
             </a:pPr>
             <a:r>
-              <a:rPr lang="en-US" sz="2800"/>
-              <a:t>Syntax</a:t>
-            </a:r>
-            <a:endParaRPr lang="en-US" sz="2800" dirty="0"/>
+              <a:rPr lang="en-US" sz="2800" dirty="0"/>
+              <a:t>POS and morphology</a:t>
+            </a:r>
           </a:p>
         </p:txBody>
       </p:sp>
@@ -22724,7 +22731,7 @@
             </a:pPr>
             <a:r>
               <a:rPr lang="en-US" sz="2800" dirty="0"/>
-              <a:t>ONTOLEX</a:t>
+              <a:t>ONTOLEX: LIME and VARTRANS</a:t>
             </a:r>
           </a:p>
         </p:txBody>
@@ -22997,7 +23004,15 @@
             </a:pPr>
             <a:r>
               <a:rPr lang="en-US" sz="1700" dirty="0"/>
-              <a:t>Translation is reified and it is of category “philosophy”</a:t>
+              <a:t>Translation is reified and it is of category “</a:t>
+            </a:r>
+            <a:r>
+              <a:rPr lang="en-US" sz="1700" dirty="0" err="1"/>
+              <a:t>philosophicalTranslation</a:t>
+            </a:r>
+            <a:r>
+              <a:rPr lang="en-US" sz="1700" dirty="0"/>
+              <a:t>”</a:t>
             </a:r>
           </a:p>
         </p:txBody>
@@ -23064,10 +23079,10 @@
       </p:sp>
       <p:pic>
         <p:nvPicPr>
-          <p:cNvPr id="4" name="Picture 3">
-            <a:extLst>
-              <a:ext uri="{FF2B5EF4-FFF2-40B4-BE49-F238E27FC236}">
-                <a16:creationId xmlns:a16="http://schemas.microsoft.com/office/drawing/2014/main" id="{BAD8038C-15F3-96EE-4324-79E0F2D22446}"/>
+          <p:cNvPr id="6" name="Picture 5">
+            <a:extLst>
+              <a:ext uri="{FF2B5EF4-FFF2-40B4-BE49-F238E27FC236}">
+                <a16:creationId xmlns:a16="http://schemas.microsoft.com/office/drawing/2014/main" id="{7A2461BC-C6CE-6FAF-E0B8-BF9F2D851E9D}"/>
               </a:ext>
             </a:extLst>
           </p:cNvPr>
@@ -23084,8 +23099,8 @@
         </p:blipFill>
         <p:spPr>
           <a:xfrm>
-            <a:off x="5476384" y="239368"/>
-            <a:ext cx="5750304" cy="6193832"/>
+            <a:off x="5363150" y="423912"/>
+            <a:ext cx="6154345" cy="5925312"/>
           </a:xfrm>
           <a:prstGeom prst="rect">
             <a:avLst/>
@@ -25193,15 +25208,7 @@
             </a:pPr>
             <a:r>
               <a:rPr lang="en-US" sz="1700" dirty="0"/>
-              <a:t>Different </a:t>
-            </a:r>
-            <a:r>
-              <a:rPr lang="en-US" sz="1700" dirty="0" err="1"/>
-              <a:t>intepretations</a:t>
-            </a:r>
-            <a:r>
-              <a:rPr lang="en-US" sz="1700" dirty="0"/>
-              <a:t> by philosophers as lexical senses</a:t>
+              <a:t>Different interpretations by philosophers as lexical senses</a:t>
             </a:r>
           </a:p>
           <a:p>
@@ -26564,7 +26571,7 @@
             <p:ph idx="1"/>
             <p:extLst>
               <p:ext uri="{D42A27DB-BD31-4B8C-83A1-F6EECF244321}">
-                <p14:modId xmlns:p14="http://schemas.microsoft.com/office/powerpoint/2010/main" val="4132272839"/>
+                <p14:modId xmlns:p14="http://schemas.microsoft.com/office/powerpoint/2010/main" val="140910658"/>
               </p:ext>
             </p:extLst>
           </p:nvPr>
@@ -26859,7 +26866,7 @@
                           <a:ea typeface="+mn-ea"/>
                           <a:cs typeface="+mn-cs"/>
                         </a:rPr>
-                        <a:t>18 220</a:t>
+                        <a:t>18 780</a:t>
                       </a:r>
                       <a:endParaRPr lang="en-US" dirty="0"/>
                     </a:p>
@@ -27201,14 +27208,13 @@
         </p:nvPicPr>
         <p:blipFill>
           <a:blip r:embed="rId2"/>
-          <a:stretch>
-            <a:fillRect/>
-          </a:stretch>
+          <a:srcRect b="7912"/>
+          <a:stretch/>
         </p:blipFill>
         <p:spPr>
           <a:xfrm>
-            <a:off x="1656679" y="2133843"/>
-            <a:ext cx="7680048" cy="4633594"/>
+            <a:off x="1359998" y="2143174"/>
+            <a:ext cx="8200664" cy="4556206"/>
           </a:xfrm>
         </p:spPr>
       </p:pic>
@@ -28194,35 +28200,6 @@
       </p:sp>
       <p:pic>
         <p:nvPicPr>
-          <p:cNvPr id="9" name="Content Placeholder 8">
-            <a:extLst>
-              <a:ext uri="{FF2B5EF4-FFF2-40B4-BE49-F238E27FC236}">
-                <a16:creationId xmlns:a16="http://schemas.microsoft.com/office/drawing/2014/main" id="{2A433959-DD7B-AD27-88B0-3E55EDCE727A}"/>
-              </a:ext>
-            </a:extLst>
-          </p:cNvPr>
-          <p:cNvPicPr>
-            <a:picLocks noGrp="1" noChangeAspect="1"/>
-          </p:cNvPicPr>
-          <p:nvPr>
-            <p:ph idx="1"/>
-          </p:nvPr>
-        </p:nvPicPr>
-        <p:blipFill>
-          <a:blip r:embed="rId2"/>
-          <a:stretch>
-            <a:fillRect/>
-          </a:stretch>
-        </p:blipFill>
-        <p:spPr>
-          <a:xfrm>
-            <a:off x="549357" y="2132425"/>
-            <a:ext cx="5241845" cy="4031707"/>
-          </a:xfrm>
-        </p:spPr>
-      </p:pic>
-      <p:pic>
-        <p:nvPicPr>
           <p:cNvPr id="12" name="Picture 11">
             <a:extLst>
               <a:ext uri="{FF2B5EF4-FFF2-40B4-BE49-F238E27FC236}">
@@ -28236,7 +28213,7 @@
           <p:nvPr/>
         </p:nvPicPr>
         <p:blipFill>
-          <a:blip r:embed="rId3"/>
+          <a:blip r:embed="rId2"/>
           <a:stretch>
             <a:fillRect/>
           </a:stretch>
@@ -28249,6 +28226,35 @@
           <a:prstGeom prst="rect">
             <a:avLst/>
           </a:prstGeom>
+        </p:spPr>
+      </p:pic>
+      <p:pic>
+        <p:nvPicPr>
+          <p:cNvPr id="5" name="Content Placeholder 4">
+            <a:extLst>
+              <a:ext uri="{FF2B5EF4-FFF2-40B4-BE49-F238E27FC236}">
+                <a16:creationId xmlns:a16="http://schemas.microsoft.com/office/drawing/2014/main" id="{31B3C1AE-EACB-B8D2-1220-02DC73BF6F44}"/>
+              </a:ext>
+            </a:extLst>
+          </p:cNvPr>
+          <p:cNvPicPr>
+            <a:picLocks noGrp="1" noChangeAspect="1"/>
+          </p:cNvPicPr>
+          <p:nvPr>
+            <p:ph idx="1"/>
+          </p:nvPr>
+        </p:nvPicPr>
+        <p:blipFill>
+          <a:blip r:embed="rId3"/>
+          <a:stretch>
+            <a:fillRect/>
+          </a:stretch>
+        </p:blipFill>
+        <p:spPr>
+          <a:xfrm>
+            <a:off x="294405" y="2292597"/>
+            <a:ext cx="6274951" cy="4365423"/>
+          </a:xfrm>
         </p:spPr>
       </p:pic>
     </p:spTree>
@@ -29631,7 +29637,7 @@
         <p:spPr>
           <a:xfrm>
             <a:off x="2807021" y="3281265"/>
-            <a:ext cx="6055568" cy="369332"/>
+            <a:ext cx="5403918" cy="369332"/>
           </a:xfrm>
           <a:prstGeom prst="rect">
             <a:avLst/>
@@ -31022,6 +31028,15 @@
 </file>
 
 <file path=customXml/item1.xml><?xml version="1.0" encoding="utf-8"?>
+<?mso-contentType ?>
+<FormTemplates xmlns="http://schemas.microsoft.com/sharepoint/v3/contenttype/forms">
+  <Display>DocumentLibraryForm</Display>
+  <Edit>DocumentLibraryForm</Edit>
+  <New>DocumentLibraryForm</New>
+</FormTemplates>
+</file>
+
+<file path=customXml/item2.xml><?xml version="1.0" encoding="utf-8"?>
 <p:properties xmlns:p="http://schemas.microsoft.com/office/2006/metadata/properties" xmlns:xsi="http://www.w3.org/2001/XMLSchema-instance" xmlns:pc="http://schemas.microsoft.com/office/infopath/2007/PartnerControls">
   <documentManagement>
     <Status xmlns="71af3243-3dd4-4a8d-8c0d-dd76da1f02a5">Not started</Status>
@@ -31030,7 +31045,7 @@
 </p:properties>
 </file>
 
-<file path=customXml/item2.xml><?xml version="1.0" encoding="utf-8"?>
+<file path=customXml/item3.xml><?xml version="1.0" encoding="utf-8"?>
 <ct:contentTypeSchema xmlns:ct="http://schemas.microsoft.com/office/2006/metadata/contentType" xmlns:ma="http://schemas.microsoft.com/office/2006/metadata/properties/metaAttributes" ct:_="" ma:_="" ma:contentTypeName="Document" ma:contentTypeID="0x01010079F111ED35F8CC479449609E8A0923A6" ma:contentTypeVersion="12" ma:contentTypeDescription="Create a new document." ma:contentTypeScope="" ma:versionID="426e97fa315356fffbdcd9876fe988c2">
   <xsd:schema xmlns:xsd="http://www.w3.org/2001/XMLSchema" xmlns:xs="http://www.w3.org/2001/XMLSchema" xmlns:p="http://schemas.microsoft.com/office/2006/metadata/properties" xmlns:ns2="71af3243-3dd4-4a8d-8c0d-dd76da1f02a5" xmlns:ns3="16c05727-aa75-4e4a-9b5f-8a80a1165891" targetNamespace="http://schemas.microsoft.com/office/2006/metadata/properties" ma:root="true" ma:fieldsID="14b8f0def80e6d70ce3def20c90759ae" ns2:_="" ns3:_="">
     <xsd:import namespace="71af3243-3dd4-4a8d-8c0d-dd76da1f02a5"/>
@@ -31251,16 +31266,15 @@
 </ct:contentTypeSchema>
 </file>
 
-<file path=customXml/item3.xml><?xml version="1.0" encoding="utf-8"?>
-<?mso-contentType ?>
-<FormTemplates xmlns="http://schemas.microsoft.com/sharepoint/v3/contenttype/forms">
-  <Display>DocumentLibraryForm</Display>
-  <Edit>DocumentLibraryForm</Edit>
-  <New>DocumentLibraryForm</New>
-</FormTemplates>
+<file path=customXml/itemProps1.xml><?xml version="1.0" encoding="utf-8"?>
+<ds:datastoreItem xmlns:ds="http://schemas.openxmlformats.org/officeDocument/2006/customXml" ds:itemID="{B927DC71-2909-427C-BDB0-3E47E2101517}">
+  <ds:schemaRefs>
+    <ds:schemaRef ds:uri="http://schemas.microsoft.com/sharepoint/v3/contenttype/forms"/>
+  </ds:schemaRefs>
+</ds:datastoreItem>
 </file>
 
-<file path=customXml/itemProps1.xml><?xml version="1.0" encoding="utf-8"?>
+<file path=customXml/itemProps2.xml><?xml version="1.0" encoding="utf-8"?>
 <ds:datastoreItem xmlns:ds="http://schemas.openxmlformats.org/officeDocument/2006/customXml" ds:itemID="{290D7697-8E53-4EA8-8CBB-9C19575257BF}">
   <ds:schemaRefs>
     <ds:schemaRef ds:uri="http://purl.org/dc/terms/"/>
@@ -31277,7 +31291,7 @@
 </ds:datastoreItem>
 </file>
 
-<file path=customXml/itemProps2.xml><?xml version="1.0" encoding="utf-8"?>
+<file path=customXml/itemProps3.xml><?xml version="1.0" encoding="utf-8"?>
 <ds:datastoreItem xmlns:ds="http://schemas.openxmlformats.org/officeDocument/2006/customXml" ds:itemID="{1DF0A252-5923-47A2-A53A-F9BF72908919}">
   <ds:schemaRefs>
     <ds:schemaRef ds:uri="http://schemas.microsoft.com/office/2006/metadata/contentType"/>
@@ -31296,14 +31310,6 @@
 </ds:datastoreItem>
 </file>
 
-<file path=customXml/itemProps3.xml><?xml version="1.0" encoding="utf-8"?>
-<ds:datastoreItem xmlns:ds="http://schemas.openxmlformats.org/officeDocument/2006/customXml" ds:itemID="{B927DC71-2909-427C-BDB0-3E47E2101517}">
-  <ds:schemaRefs>
-    <ds:schemaRef ds:uri="http://schemas.microsoft.com/sharepoint/v3/contenttype/forms"/>
-  </ds:schemaRefs>
-</ds:datastoreItem>
-</file>
-
 <file path=docMetadata/LabelInfo.xml><?xml version="1.0" encoding="utf-8"?>
 <clbl:labelList xmlns:clbl="http://schemas.microsoft.com/office/2020/mipLabelMetadata">
   <clbl:label id="{6c9bfeca-8902-4dc7-9862-34cfbaed67d0}" enabled="1" method="Standard" siteId="{42151053-0193-47aa-9e81-effd81f772cc}" contentBits="0" removed="0"/>

--- a/Linking Latin Philosophical Expressions.pptx
+++ b/Linking Latin Philosophical Expressions.pptx
@@ -5,10 +5,10 @@
     <p:sldMasterId id="2147483720" r:id="rId4"/>
   </p:sldMasterIdLst>
   <p:notesMasterIdLst>
-    <p:notesMasterId r:id="rId43"/>
+    <p:notesMasterId r:id="rId44"/>
   </p:notesMasterIdLst>
   <p:handoutMasterIdLst>
-    <p:handoutMasterId r:id="rId44"/>
+    <p:handoutMasterId r:id="rId45"/>
   </p:handoutMasterIdLst>
   <p:sldIdLst>
     <p:sldId id="281" r:id="rId5"/>
@@ -47,8 +47,9 @@
     <p:sldId id="393" r:id="rId38"/>
     <p:sldId id="389" r:id="rId39"/>
     <p:sldId id="397" r:id="rId40"/>
-    <p:sldId id="401" r:id="rId41"/>
-    <p:sldId id="356" r:id="rId42"/>
+    <p:sldId id="402" r:id="rId41"/>
+    <p:sldId id="401" r:id="rId42"/>
+    <p:sldId id="356" r:id="rId43"/>
   </p:sldIdLst>
   <p:sldSz cx="12192000" cy="6858000"/>
   <p:notesSz cx="6858000" cy="9144000"/>
@@ -6156,7 +6157,7 @@
           <a:p>
             <a:fld id="{28647F05-0506-494A-8060-3F395B947DF9}" type="datetimeFigureOut">
               <a:rPr lang="en-US" smtClean="0"/>
-              <a:t>5/25/2025</a:t>
+              <a:t>5/27/2025</a:t>
             </a:fld>
             <a:endParaRPr lang="en-US" dirty="0"/>
           </a:p>
@@ -6333,7 +6334,7 @@
           <a:p>
             <a:fld id="{08BC0A13-3F3D-45D4-B17C-1E0ACF36A6FB}" type="datetimeFigureOut">
               <a:rPr lang="en-US" smtClean="0"/>
-              <a:t>5/25/2025</a:t>
+              <a:t>5/27/2025</a:t>
             </a:fld>
             <a:endParaRPr lang="en-US" dirty="0"/>
           </a:p>
@@ -28275,7 +28276,13 @@
   <p:cSld>
     <p:spTree>
       <p:nvGrpSpPr>
-        <p:cNvPr id="1" name=""/>
+        <p:cNvPr id="1" name="">
+          <a:extLst>
+            <a:ext uri="{FF2B5EF4-FFF2-40B4-BE49-F238E27FC236}">
+              <a16:creationId xmlns:a16="http://schemas.microsoft.com/office/drawing/2014/main" id="{31BF5987-31CF-DE53-ED99-FE82386DF98C}"/>
+            </a:ext>
+          </a:extLst>
+        </p:cNvPr>
         <p:cNvGrpSpPr/>
         <p:nvPr/>
       </p:nvGrpSpPr>
@@ -28292,7 +28299,7 @@
           <p:cNvPr id="2" name="Title 1">
             <a:extLst>
               <a:ext uri="{FF2B5EF4-FFF2-40B4-BE49-F238E27FC236}">
-                <a16:creationId xmlns:a16="http://schemas.microsoft.com/office/drawing/2014/main" id="{95AEBEBF-8282-66BE-285C-D6BACF047FC3}"/>
+                <a16:creationId xmlns:a16="http://schemas.microsoft.com/office/drawing/2014/main" id="{7702B733-DB58-D79A-24E3-CAF289D77546}"/>
               </a:ext>
             </a:extLst>
           </p:cNvPr>
@@ -28310,7 +28317,7 @@
           <a:p>
             <a:r>
               <a:rPr lang="en-US" dirty="0"/>
-              <a:t>Conclusion</a:t>
+              <a:t>Potential applications in NLP</a:t>
             </a:r>
           </a:p>
         </p:txBody>
@@ -28320,7 +28327,7 @@
           <p:cNvPr id="3" name="Content Placeholder 2">
             <a:extLst>
               <a:ext uri="{FF2B5EF4-FFF2-40B4-BE49-F238E27FC236}">
-                <a16:creationId xmlns:a16="http://schemas.microsoft.com/office/drawing/2014/main" id="{8C782549-67BF-2D65-BE1F-FC9CF5AA615E}"/>
+                <a16:creationId xmlns:a16="http://schemas.microsoft.com/office/drawing/2014/main" id="{E24835C3-A591-C27C-E291-7CE7A82B2A24}"/>
               </a:ext>
             </a:extLst>
           </p:cNvPr>
@@ -28331,10 +28338,55 @@
             <p:ph idx="1"/>
           </p:nvPr>
         </p:nvSpPr>
-        <p:spPr/>
+        <p:spPr>
+          <a:xfrm>
+            <a:off x="1115568" y="2174033"/>
+            <a:ext cx="10168128" cy="3998167"/>
+          </a:xfrm>
+        </p:spPr>
         <p:txBody>
-          <a:bodyPr/>
+          <a:bodyPr>
+            <a:normAutofit fontScale="92500" lnSpcReduction="10000"/>
+          </a:bodyPr>
           <a:lstStyle/>
+          <a:p>
+            <a:pPr algn="just"/>
+            <a:r>
+              <a:rPr lang="en-US" dirty="0"/>
+              <a:t>NER: detect philosophical concepts or thinkers (i.e., annotate entities like “res cogitans” or “Descartes”)</a:t>
+            </a:r>
+          </a:p>
+          <a:p>
+            <a:pPr algn="just"/>
+            <a:r>
+              <a:rPr lang="en-US" dirty="0"/>
+              <a:t>MT: translate Latin philosophical expressions to/from English.</a:t>
+            </a:r>
+          </a:p>
+          <a:p>
+            <a:pPr algn="just"/>
+            <a:r>
+              <a:rPr lang="en-US" dirty="0"/>
+              <a:t>KG construction: build knowledge graphs of philosophical ideas.</a:t>
+            </a:r>
+          </a:p>
+          <a:p>
+            <a:pPr algn="just"/>
+            <a:r>
+              <a:rPr lang="en-US" dirty="0"/>
+              <a:t>WSD: resolve ambiguous terms in philosophy (i.e., disambiguate “Summum bonum” as Kantian vs. Aristotelian).</a:t>
+            </a:r>
+          </a:p>
+          <a:p>
+            <a:pPr algn="just"/>
+            <a:r>
+              <a:rPr lang="en-US" dirty="0"/>
+              <a:t>QA: answer questions like "How does Descartes interpret “Res cogitans”?</a:t>
+            </a:r>
+          </a:p>
+          <a:p>
+            <a:endParaRPr lang="en-US" dirty="0"/>
+          </a:p>
           <a:p>
             <a:endParaRPr lang="en-US" dirty="0"/>
           </a:p>
@@ -28345,7 +28397,7 @@
           <p:cNvPr id="4" name="Slide Number Placeholder 3">
             <a:extLst>
               <a:ext uri="{FF2B5EF4-FFF2-40B4-BE49-F238E27FC236}">
-                <a16:creationId xmlns:a16="http://schemas.microsoft.com/office/drawing/2014/main" id="{76C3440C-B2EF-DEC5-D2EF-37693279C163}"/>
+                <a16:creationId xmlns:a16="http://schemas.microsoft.com/office/drawing/2014/main" id="{41F32FBD-A29E-D26E-4E77-E36BC304DCA4}"/>
               </a:ext>
             </a:extLst>
           </p:cNvPr>
@@ -28372,7 +28424,7 @@
     </p:spTree>
     <p:extLst>
       <p:ext uri="{BB962C8B-B14F-4D97-AF65-F5344CB8AC3E}">
-        <p14:creationId xmlns:p14="http://schemas.microsoft.com/office/powerpoint/2010/main" val="2459003792"/>
+        <p14:creationId xmlns:p14="http://schemas.microsoft.com/office/powerpoint/2010/main" val="1702072252"/>
       </p:ext>
     </p:extLst>
   </p:cSld>
@@ -28404,7 +28456,7 @@
           <p:cNvPr id="2" name="Title 1">
             <a:extLst>
               <a:ext uri="{FF2B5EF4-FFF2-40B4-BE49-F238E27FC236}">
-                <a16:creationId xmlns:a16="http://schemas.microsoft.com/office/drawing/2014/main" id="{03EEB919-4F65-4B5E-ADF3-272AD780E102}"/>
+                <a16:creationId xmlns:a16="http://schemas.microsoft.com/office/drawing/2014/main" id="{95AEBEBF-8282-66BE-285C-D6BACF047FC3}"/>
               </a:ext>
             </a:extLst>
           </p:cNvPr>
@@ -28421,6 +28473,183 @@
           <a:lstStyle/>
           <a:p>
             <a:r>
+              <a:rPr lang="en-US" dirty="0"/>
+              <a:t>Conclusion</a:t>
+            </a:r>
+          </a:p>
+        </p:txBody>
+      </p:sp>
+      <p:sp>
+        <p:nvSpPr>
+          <p:cNvPr id="3" name="Content Placeholder 2">
+            <a:extLst>
+              <a:ext uri="{FF2B5EF4-FFF2-40B4-BE49-F238E27FC236}">
+                <a16:creationId xmlns:a16="http://schemas.microsoft.com/office/drawing/2014/main" id="{8C782549-67BF-2D65-BE1F-FC9CF5AA615E}"/>
+              </a:ext>
+            </a:extLst>
+          </p:cNvPr>
+          <p:cNvSpPr>
+            <a:spLocks noGrp="1"/>
+          </p:cNvSpPr>
+          <p:nvPr>
+            <p:ph idx="1"/>
+          </p:nvPr>
+        </p:nvSpPr>
+        <p:spPr>
+          <a:xfrm>
+            <a:off x="1115568" y="2174033"/>
+            <a:ext cx="10168128" cy="3998167"/>
+          </a:xfrm>
+        </p:spPr>
+        <p:txBody>
+          <a:bodyPr>
+            <a:normAutofit fontScale="70000" lnSpcReduction="20000"/>
+          </a:bodyPr>
+          <a:lstStyle/>
+          <a:p>
+            <a:r>
+              <a:rPr lang="en-US" dirty="0"/>
+              <a:t>this project presents a structured and interoperable dataset of Latin philosophical expressions</a:t>
+            </a:r>
+          </a:p>
+          <a:p>
+            <a:r>
+              <a:rPr lang="en-US" dirty="0"/>
+              <a:t>the resource is modeled using Linked Data standards (ONTOLEX, SKOS, and POWLA). </a:t>
+            </a:r>
+          </a:p>
+          <a:p>
+            <a:r>
+              <a:rPr lang="en-US" dirty="0"/>
+              <a:t>combines syntactic analysis with semantic and conceptual annotation</a:t>
+            </a:r>
+          </a:p>
+          <a:p>
+            <a:r>
+              <a:rPr lang="en-US" dirty="0"/>
+              <a:t>can support both students and computational applications</a:t>
+            </a:r>
+          </a:p>
+          <a:p>
+            <a:r>
+              <a:rPr lang="en-US" dirty="0"/>
+              <a:t>aligns with semantic web principles, enabling integration with external knowledge bases like </a:t>
+            </a:r>
+            <a:r>
+              <a:rPr lang="en-US" dirty="0" err="1"/>
+              <a:t>Wikidata</a:t>
+            </a:r>
+            <a:r>
+              <a:rPr lang="en-US" dirty="0"/>
+              <a:t> and </a:t>
+            </a:r>
+            <a:r>
+              <a:rPr lang="en-US" dirty="0" err="1"/>
+              <a:t>LiLa</a:t>
+            </a:r>
+            <a:r>
+              <a:rPr lang="en-US" dirty="0"/>
+              <a:t>.</a:t>
+            </a:r>
+          </a:p>
+          <a:p>
+            <a:r>
+              <a:rPr lang="en-US" dirty="0"/>
+              <a:t>limits: its use assumes familiarity with RDF, SPARQL, and ontology-based modeling, which may limit accessibility for non-technical users</a:t>
+            </a:r>
+          </a:p>
+          <a:p>
+            <a:r>
+              <a:rPr lang="en-US" dirty="0"/>
+              <a:t>future work: expand the corpus and develop user-friendly interfaces</a:t>
+            </a:r>
+          </a:p>
+          <a:p>
+            <a:endParaRPr lang="en-US" dirty="0"/>
+          </a:p>
+        </p:txBody>
+      </p:sp>
+      <p:sp>
+        <p:nvSpPr>
+          <p:cNvPr id="4" name="Slide Number Placeholder 3">
+            <a:extLst>
+              <a:ext uri="{FF2B5EF4-FFF2-40B4-BE49-F238E27FC236}">
+                <a16:creationId xmlns:a16="http://schemas.microsoft.com/office/drawing/2014/main" id="{76C3440C-B2EF-DEC5-D2EF-37693279C163}"/>
+              </a:ext>
+            </a:extLst>
+          </p:cNvPr>
+          <p:cNvSpPr>
+            <a:spLocks noGrp="1"/>
+          </p:cNvSpPr>
+          <p:nvPr>
+            <p:ph type="sldNum" sz="quarter" idx="12"/>
+          </p:nvPr>
+        </p:nvSpPr>
+        <p:spPr/>
+        <p:txBody>
+          <a:bodyPr/>
+          <a:lstStyle/>
+          <a:p>
+            <a:fld id="{A65A5C87-DF58-40C8-B092-1DE63DB4547E}" type="slidenum">
+              <a:rPr lang="en-US" smtClean="0"/>
+              <a:t>38</a:t>
+            </a:fld>
+            <a:endParaRPr lang="en-US" dirty="0"/>
+          </a:p>
+        </p:txBody>
+      </p:sp>
+    </p:spTree>
+    <p:extLst>
+      <p:ext uri="{BB962C8B-B14F-4D97-AF65-F5344CB8AC3E}">
+        <p14:creationId xmlns:p14="http://schemas.microsoft.com/office/powerpoint/2010/main" val="2459003792"/>
+      </p:ext>
+    </p:extLst>
+  </p:cSld>
+  <p:clrMapOvr>
+    <a:masterClrMapping/>
+  </p:clrMapOvr>
+</p:sld>
+</file>
+
+<file path=ppt/slides/slide39.xml><?xml version="1.0" encoding="utf-8"?>
+<p:sld xmlns:a="http://schemas.openxmlformats.org/drawingml/2006/main" xmlns:r="http://schemas.openxmlformats.org/officeDocument/2006/relationships" xmlns:p="http://schemas.openxmlformats.org/presentationml/2006/main">
+  <p:cSld>
+    <p:spTree>
+      <p:nvGrpSpPr>
+        <p:cNvPr id="1" name=""/>
+        <p:cNvGrpSpPr/>
+        <p:nvPr/>
+      </p:nvGrpSpPr>
+      <p:grpSpPr>
+        <a:xfrm>
+          <a:off x="0" y="0"/>
+          <a:ext cx="0" cy="0"/>
+          <a:chOff x="0" y="0"/>
+          <a:chExt cx="0" cy="0"/>
+        </a:xfrm>
+      </p:grpSpPr>
+      <p:sp>
+        <p:nvSpPr>
+          <p:cNvPr id="2" name="Title 1">
+            <a:extLst>
+              <a:ext uri="{FF2B5EF4-FFF2-40B4-BE49-F238E27FC236}">
+                <a16:creationId xmlns:a16="http://schemas.microsoft.com/office/drawing/2014/main" id="{03EEB919-4F65-4B5E-ADF3-272AD780E102}"/>
+              </a:ext>
+            </a:extLst>
+          </p:cNvPr>
+          <p:cNvSpPr>
+            <a:spLocks noGrp="1"/>
+          </p:cNvSpPr>
+          <p:nvPr>
+            <p:ph type="title"/>
+          </p:nvPr>
+        </p:nvSpPr>
+        <p:spPr/>
+        <p:txBody>
+          <a:bodyPr/>
+          <a:lstStyle/>
+          <a:p>
+            <a:r>
               <a:rPr lang="en-US" sz="4800" dirty="0"/>
               <a:t>Thank you</a:t>
             </a:r>
@@ -28479,7 +28708,7 @@
           <a:p>
             <a:fld id="{A65A5C87-DF58-40C8-B092-1DE63DB4547E}" type="slidenum">
               <a:rPr lang="en-US" smtClean="0"/>
-              <a:t>38</a:t>
+              <a:t>39</a:t>
             </a:fld>
             <a:endParaRPr lang="en-US" dirty="0"/>
           </a:p>
@@ -31028,24 +31257,6 @@
 </file>
 
 <file path=customXml/item1.xml><?xml version="1.0" encoding="utf-8"?>
-<?mso-contentType ?>
-<FormTemplates xmlns="http://schemas.microsoft.com/sharepoint/v3/contenttype/forms">
-  <Display>DocumentLibraryForm</Display>
-  <Edit>DocumentLibraryForm</Edit>
-  <New>DocumentLibraryForm</New>
-</FormTemplates>
-</file>
-
-<file path=customXml/item2.xml><?xml version="1.0" encoding="utf-8"?>
-<p:properties xmlns:p="http://schemas.microsoft.com/office/2006/metadata/properties" xmlns:xsi="http://www.w3.org/2001/XMLSchema-instance" xmlns:pc="http://schemas.microsoft.com/office/infopath/2007/PartnerControls">
-  <documentManagement>
-    <Status xmlns="71af3243-3dd4-4a8d-8c0d-dd76da1f02a5">Not started</Status>
-    <MediaServiceKeyPoints xmlns="71af3243-3dd4-4a8d-8c0d-dd76da1f02a5" xsi:nil="true"/>
-  </documentManagement>
-</p:properties>
-</file>
-
-<file path=customXml/item3.xml><?xml version="1.0" encoding="utf-8"?>
 <ct:contentTypeSchema xmlns:ct="http://schemas.microsoft.com/office/2006/metadata/contentType" xmlns:ma="http://schemas.microsoft.com/office/2006/metadata/properties/metaAttributes" ct:_="" ma:_="" ma:contentTypeName="Document" ma:contentTypeID="0x01010079F111ED35F8CC479449609E8A0923A6" ma:contentTypeVersion="12" ma:contentTypeDescription="Create a new document." ma:contentTypeScope="" ma:versionID="426e97fa315356fffbdcd9876fe988c2">
   <xsd:schema xmlns:xsd="http://www.w3.org/2001/XMLSchema" xmlns:xs="http://www.w3.org/2001/XMLSchema" xmlns:p="http://schemas.microsoft.com/office/2006/metadata/properties" xmlns:ns2="71af3243-3dd4-4a8d-8c0d-dd76da1f02a5" xmlns:ns3="16c05727-aa75-4e4a-9b5f-8a80a1165891" targetNamespace="http://schemas.microsoft.com/office/2006/metadata/properties" ma:root="true" ma:fieldsID="14b8f0def80e6d70ce3def20c90759ae" ns2:_="" ns3:_="">
     <xsd:import namespace="71af3243-3dd4-4a8d-8c0d-dd76da1f02a5"/>
@@ -31266,32 +31477,25 @@
 </ct:contentTypeSchema>
 </file>
 
-<file path=customXml/itemProps1.xml><?xml version="1.0" encoding="utf-8"?>
-<ds:datastoreItem xmlns:ds="http://schemas.openxmlformats.org/officeDocument/2006/customXml" ds:itemID="{B927DC71-2909-427C-BDB0-3E47E2101517}">
-  <ds:schemaRefs>
-    <ds:schemaRef ds:uri="http://schemas.microsoft.com/sharepoint/v3/contenttype/forms"/>
-  </ds:schemaRefs>
-</ds:datastoreItem>
+<file path=customXml/item2.xml><?xml version="1.0" encoding="utf-8"?>
+<?mso-contentType ?>
+<FormTemplates xmlns="http://schemas.microsoft.com/sharepoint/v3/contenttype/forms">
+  <Display>DocumentLibraryForm</Display>
+  <Edit>DocumentLibraryForm</Edit>
+  <New>DocumentLibraryForm</New>
+</FormTemplates>
 </file>
 
-<file path=customXml/itemProps2.xml><?xml version="1.0" encoding="utf-8"?>
-<ds:datastoreItem xmlns:ds="http://schemas.openxmlformats.org/officeDocument/2006/customXml" ds:itemID="{290D7697-8E53-4EA8-8CBB-9C19575257BF}">
-  <ds:schemaRefs>
-    <ds:schemaRef ds:uri="http://purl.org/dc/terms/"/>
-    <ds:schemaRef ds:uri="71af3243-3dd4-4a8d-8c0d-dd76da1f02a5"/>
-    <ds:schemaRef ds:uri="http://schemas.microsoft.com/office/2006/metadata/properties"/>
-    <ds:schemaRef ds:uri="http://purl.org/dc/elements/1.1/"/>
-    <ds:schemaRef ds:uri="http://schemas.microsoft.com/office/infopath/2007/PartnerControls"/>
-    <ds:schemaRef ds:uri="http://schemas.microsoft.com/office/2006/documentManagement/types"/>
-    <ds:schemaRef ds:uri="16c05727-aa75-4e4a-9b5f-8a80a1165891"/>
-    <ds:schemaRef ds:uri="http://www.w3.org/XML/1998/namespace"/>
-    <ds:schemaRef ds:uri="http://schemas.openxmlformats.org/package/2006/metadata/core-properties"/>
-    <ds:schemaRef ds:uri="http://purl.org/dc/dcmitype/"/>
-  </ds:schemaRefs>
-</ds:datastoreItem>
+<file path=customXml/item3.xml><?xml version="1.0" encoding="utf-8"?>
+<p:properties xmlns:p="http://schemas.microsoft.com/office/2006/metadata/properties" xmlns:xsi="http://www.w3.org/2001/XMLSchema-instance" xmlns:pc="http://schemas.microsoft.com/office/infopath/2007/PartnerControls">
+  <documentManagement>
+    <Status xmlns="71af3243-3dd4-4a8d-8c0d-dd76da1f02a5">Not started</Status>
+    <MediaServiceKeyPoints xmlns="71af3243-3dd4-4a8d-8c0d-dd76da1f02a5" xsi:nil="true"/>
+  </documentManagement>
+</p:properties>
 </file>
 
-<file path=customXml/itemProps3.xml><?xml version="1.0" encoding="utf-8"?>
+<file path=customXml/itemProps1.xml><?xml version="1.0" encoding="utf-8"?>
 <ds:datastoreItem xmlns:ds="http://schemas.openxmlformats.org/officeDocument/2006/customXml" ds:itemID="{1DF0A252-5923-47A2-A53A-F9BF72908919}">
   <ds:schemaRefs>
     <ds:schemaRef ds:uri="http://schemas.microsoft.com/office/2006/metadata/contentType"/>
@@ -31310,6 +31514,31 @@
 </ds:datastoreItem>
 </file>
 
+<file path=customXml/itemProps2.xml><?xml version="1.0" encoding="utf-8"?>
+<ds:datastoreItem xmlns:ds="http://schemas.openxmlformats.org/officeDocument/2006/customXml" ds:itemID="{B927DC71-2909-427C-BDB0-3E47E2101517}">
+  <ds:schemaRefs>
+    <ds:schemaRef ds:uri="http://schemas.microsoft.com/sharepoint/v3/contenttype/forms"/>
+  </ds:schemaRefs>
+</ds:datastoreItem>
+</file>
+
+<file path=customXml/itemProps3.xml><?xml version="1.0" encoding="utf-8"?>
+<ds:datastoreItem xmlns:ds="http://schemas.openxmlformats.org/officeDocument/2006/customXml" ds:itemID="{290D7697-8E53-4EA8-8CBB-9C19575257BF}">
+  <ds:schemaRefs>
+    <ds:schemaRef ds:uri="http://purl.org/dc/terms/"/>
+    <ds:schemaRef ds:uri="71af3243-3dd4-4a8d-8c0d-dd76da1f02a5"/>
+    <ds:schemaRef ds:uri="http://schemas.microsoft.com/office/2006/metadata/properties"/>
+    <ds:schemaRef ds:uri="http://purl.org/dc/elements/1.1/"/>
+    <ds:schemaRef ds:uri="http://schemas.microsoft.com/office/infopath/2007/PartnerControls"/>
+    <ds:schemaRef ds:uri="http://schemas.microsoft.com/office/2006/documentManagement/types"/>
+    <ds:schemaRef ds:uri="16c05727-aa75-4e4a-9b5f-8a80a1165891"/>
+    <ds:schemaRef ds:uri="http://www.w3.org/XML/1998/namespace"/>
+    <ds:schemaRef ds:uri="http://schemas.openxmlformats.org/package/2006/metadata/core-properties"/>
+    <ds:schemaRef ds:uri="http://purl.org/dc/dcmitype/"/>
+  </ds:schemaRefs>
+</ds:datastoreItem>
+</file>
+
 <file path=docMetadata/LabelInfo.xml><?xml version="1.0" encoding="utf-8"?>
 <clbl:labelList xmlns:clbl="http://schemas.microsoft.com/office/2020/mipLabelMetadata">
   <clbl:label id="{6c9bfeca-8902-4dc7-9862-34cfbaed67d0}" enabled="1" method="Standard" siteId="{42151053-0193-47aa-9e81-effd81f772cc}" contentBits="0" removed="0"/>

--- a/Linking Latin Philosophical Expressions.pptx
+++ b/Linking Latin Philosophical Expressions.pptx
@@ -5,10 +5,10 @@
     <p:sldMasterId id="2147483720" r:id="rId4"/>
   </p:sldMasterIdLst>
   <p:notesMasterIdLst>
-    <p:notesMasterId r:id="rId44"/>
+    <p:notesMasterId r:id="rId45"/>
   </p:notesMasterIdLst>
   <p:handoutMasterIdLst>
-    <p:handoutMasterId r:id="rId45"/>
+    <p:handoutMasterId r:id="rId46"/>
   </p:handoutMasterIdLst>
   <p:sldIdLst>
     <p:sldId id="281" r:id="rId5"/>
@@ -48,8 +48,9 @@
     <p:sldId id="389" r:id="rId39"/>
     <p:sldId id="397" r:id="rId40"/>
     <p:sldId id="402" r:id="rId41"/>
-    <p:sldId id="401" r:id="rId42"/>
-    <p:sldId id="356" r:id="rId43"/>
+    <p:sldId id="403" r:id="rId42"/>
+    <p:sldId id="401" r:id="rId43"/>
+    <p:sldId id="356" r:id="rId44"/>
   </p:sldIdLst>
   <p:sldSz cx="12192000" cy="6858000"/>
   <p:notesSz cx="6858000" cy="9144000"/>
@@ -6157,7 +6158,7 @@
           <a:p>
             <a:fld id="{28647F05-0506-494A-8060-3F395B947DF9}" type="datetimeFigureOut">
               <a:rPr lang="en-US" smtClean="0"/>
-              <a:t>5/27/2025</a:t>
+              <a:t>5/28/2025</a:t>
             </a:fld>
             <a:endParaRPr lang="en-US" dirty="0"/>
           </a:p>
@@ -6334,7 +6335,7 @@
           <a:p>
             <a:fld id="{08BC0A13-3F3D-45D4-B17C-1E0ACF36A6FB}" type="datetimeFigureOut">
               <a:rPr lang="en-US" smtClean="0"/>
-              <a:t>5/27/2025</a:t>
+              <a:t>5/28/2025</a:t>
             </a:fld>
             <a:endParaRPr lang="en-US" dirty="0"/>
           </a:p>
@@ -15012,7 +15013,7 @@
         <p:spPr/>
         <p:txBody>
           <a:bodyPr>
-            <a:normAutofit fontScale="85000" lnSpcReduction="20000"/>
+            <a:normAutofit fontScale="77500" lnSpcReduction="20000"/>
           </a:bodyPr>
           <a:lstStyle/>
           <a:p>
@@ -15082,7 +15083,7 @@
             </a:pPr>
             <a:r>
               <a:rPr lang="en-US" dirty="0"/>
-              <a:t>Performed grammatical analysis (tokenization, part of speech tagging, morphological features, dependency relations) following the Universal Dependencies framework.</a:t>
+              <a:t>Performed grammatical analysis (tokenization, part of speech tagging, morphological features, dependency relations) following the Universal Dependencies framework, linking definitions from official UD documentation pages.</a:t>
             </a:r>
           </a:p>
           <a:p>
@@ -16860,7 +16861,15 @@
             </a:r>
             <a:r>
               <a:rPr lang="en-US" dirty="0"/>
-              <a:t>. This allowed a modular approach that made possible to distinguish between content layers and annotation layers. For the syntactic annotation, I used also Web Annotation.</a:t>
+              <a:t>. This allowed a modular approach that made possible to distinguish between content layers and annotation layers. For the syntactic annotation, I used also </a:t>
+            </a:r>
+            <a:r>
+              <a:rPr lang="en-US" b="1" dirty="0"/>
+              <a:t>Web Annotation</a:t>
+            </a:r>
+            <a:r>
+              <a:rPr lang="en-US" dirty="0"/>
+              <a:t>.</a:t>
             </a:r>
           </a:p>
           <a:p>
@@ -26572,7 +26581,7 @@
             <p:ph idx="1"/>
             <p:extLst>
               <p:ext uri="{D42A27DB-BD31-4B8C-83A1-F6EECF244321}">
-                <p14:modId xmlns:p14="http://schemas.microsoft.com/office/powerpoint/2010/main" val="140910658"/>
+                <p14:modId xmlns:p14="http://schemas.microsoft.com/office/powerpoint/2010/main" val="1760835976"/>
               </p:ext>
             </p:extLst>
           </p:nvPr>
@@ -26867,7 +26876,7 @@
                           <a:ea typeface="+mn-ea"/>
                           <a:cs typeface="+mn-cs"/>
                         </a:rPr>
-                        <a:t>18 780</a:t>
+                        <a:t>19 302</a:t>
                       </a:r>
                       <a:endParaRPr lang="en-US" dirty="0"/>
                     </a:p>
@@ -28340,8 +28349,8 @@
         </p:nvSpPr>
         <p:spPr>
           <a:xfrm>
-            <a:off x="1115568" y="2174033"/>
-            <a:ext cx="10168128" cy="3998167"/>
+            <a:off x="1011936" y="2295331"/>
+            <a:ext cx="10168128" cy="3687457"/>
           </a:xfrm>
         </p:spPr>
         <p:txBody>
@@ -28350,37 +28359,57 @@
           </a:bodyPr>
           <a:lstStyle/>
           <a:p>
-            <a:pPr algn="just"/>
-            <a:r>
-              <a:rPr lang="en-US" dirty="0"/>
-              <a:t>NER: detect philosophical concepts or thinkers (i.e., annotate entities like “res cogitans” or “Descartes”)</a:t>
-            </a:r>
-          </a:p>
-          <a:p>
-            <a:pPr algn="just"/>
-            <a:r>
-              <a:rPr lang="en-US" dirty="0"/>
+            <a:pPr algn="just">
+              <a:lnSpc>
+                <a:spcPct val="150000"/>
+              </a:lnSpc>
+            </a:pPr>
+            <a:r>
+              <a:rPr lang="en-US" sz="2200" dirty="0"/>
+              <a:t>NER: detect philosophical concepts or thinkers (i.e., annotate entities like “res cogitans” or “Descartes”).</a:t>
+            </a:r>
+          </a:p>
+          <a:p>
+            <a:pPr algn="just">
+              <a:lnSpc>
+                <a:spcPct val="150000"/>
+              </a:lnSpc>
+            </a:pPr>
+            <a:r>
+              <a:rPr lang="en-US" sz="2200" dirty="0"/>
               <a:t>MT: translate Latin philosophical expressions to/from English.</a:t>
             </a:r>
           </a:p>
           <a:p>
-            <a:pPr algn="just"/>
-            <a:r>
-              <a:rPr lang="en-US" dirty="0"/>
+            <a:pPr algn="just">
+              <a:lnSpc>
+                <a:spcPct val="150000"/>
+              </a:lnSpc>
+            </a:pPr>
+            <a:r>
+              <a:rPr lang="en-US" sz="2200" dirty="0"/>
               <a:t>KG construction: build knowledge graphs of philosophical ideas.</a:t>
             </a:r>
           </a:p>
           <a:p>
-            <a:pPr algn="just"/>
-            <a:r>
-              <a:rPr lang="en-US" dirty="0"/>
+            <a:pPr algn="just">
+              <a:lnSpc>
+                <a:spcPct val="150000"/>
+              </a:lnSpc>
+            </a:pPr>
+            <a:r>
+              <a:rPr lang="en-US" sz="2200" dirty="0"/>
               <a:t>WSD: resolve ambiguous terms in philosophy (i.e., disambiguate “Summum bonum” as Kantian vs. Aristotelian).</a:t>
             </a:r>
           </a:p>
           <a:p>
-            <a:pPr algn="just"/>
-            <a:r>
-              <a:rPr lang="en-US" dirty="0"/>
+            <a:pPr algn="just">
+              <a:lnSpc>
+                <a:spcPct val="150000"/>
+              </a:lnSpc>
+            </a:pPr>
+            <a:r>
+              <a:rPr lang="en-US" sz="2200" dirty="0"/>
               <a:t>QA: answer questions like "How does Descartes interpret “Res cogitans”?</a:t>
             </a:r>
           </a:p>
@@ -28439,7 +28468,13 @@
   <p:cSld>
     <p:spTree>
       <p:nvGrpSpPr>
-        <p:cNvPr id="1" name=""/>
+        <p:cNvPr id="1" name="">
+          <a:extLst>
+            <a:ext uri="{FF2B5EF4-FFF2-40B4-BE49-F238E27FC236}">
+              <a16:creationId xmlns:a16="http://schemas.microsoft.com/office/drawing/2014/main" id="{F78A2C40-E0CB-DFF4-6FB2-3910BF72D2A5}"/>
+            </a:ext>
+          </a:extLst>
+        </p:cNvPr>
         <p:cNvGrpSpPr/>
         <p:nvPr/>
       </p:nvGrpSpPr>
@@ -28456,7 +28491,7 @@
           <p:cNvPr id="2" name="Title 1">
             <a:extLst>
               <a:ext uri="{FF2B5EF4-FFF2-40B4-BE49-F238E27FC236}">
-                <a16:creationId xmlns:a16="http://schemas.microsoft.com/office/drawing/2014/main" id="{95AEBEBF-8282-66BE-285C-D6BACF047FC3}"/>
+                <a16:creationId xmlns:a16="http://schemas.microsoft.com/office/drawing/2014/main" id="{6407BF4F-4879-C84D-6F1A-D7962B47FBE3}"/>
               </a:ext>
             </a:extLst>
           </p:cNvPr>
@@ -28474,7 +28509,7 @@
           <a:p>
             <a:r>
               <a:rPr lang="en-US" dirty="0"/>
-              <a:t>Conclusion</a:t>
+              <a:t>Considerations and open questions</a:t>
             </a:r>
           </a:p>
         </p:txBody>
@@ -28484,7 +28519,7 @@
           <p:cNvPr id="3" name="Content Placeholder 2">
             <a:extLst>
               <a:ext uri="{FF2B5EF4-FFF2-40B4-BE49-F238E27FC236}">
-                <a16:creationId xmlns:a16="http://schemas.microsoft.com/office/drawing/2014/main" id="{8C782549-67BF-2D65-BE1F-FC9CF5AA615E}"/>
+                <a16:creationId xmlns:a16="http://schemas.microsoft.com/office/drawing/2014/main" id="{9DB8A7A4-AC79-5E78-D0FD-07AB43F86E83}"/>
               </a:ext>
             </a:extLst>
           </p:cNvPr>
@@ -28503,68 +28538,74 @@
         </p:spPr>
         <p:txBody>
           <a:bodyPr>
-            <a:normAutofit fontScale="70000" lnSpcReduction="20000"/>
+            <a:normAutofit fontScale="77500" lnSpcReduction="20000"/>
           </a:bodyPr>
           <a:lstStyle/>
           <a:p>
+            <a:pPr marL="0" indent="0">
+              <a:buNone/>
+            </a:pPr>
             <a:r>
               <a:rPr lang="en-US" dirty="0"/>
-              <a:t>this project presents a structured and interoperable dataset of Latin philosophical expressions</a:t>
-            </a:r>
-          </a:p>
-          <a:p>
+              <a:t>The most difficult part was deciding how to model the various interpretations by different philosophers.</a:t>
+            </a:r>
+          </a:p>
+          <a:p>
+            <a:pPr marL="0" indent="0">
+              <a:buNone/>
+            </a:pPr>
             <a:r>
               <a:rPr lang="en-US" dirty="0"/>
-              <a:t>the resource is modeled using Linked Data standards (ONTOLEX, SKOS, and POWLA). </a:t>
-            </a:r>
-          </a:p>
-          <a:p>
+              <a:t>I considered them as lexical senses, but how are they linked to the general meaning? </a:t>
+            </a:r>
+          </a:p>
+          <a:p>
+            <a:pPr marL="0" indent="0">
+              <a:buNone/>
+            </a:pPr>
             <a:r>
               <a:rPr lang="en-US" dirty="0"/>
-              <a:t>combines syntactic analysis with semantic and conceptual annotation</a:t>
-            </a:r>
-          </a:p>
-          <a:p>
+              <a:t>I thought it made sense to consider them narrower concepts than the general meaning, but would it be correct to consider them as lexicalized senses of the lexical concept in the same way intended for </a:t>
+            </a:r>
+            <a:r>
+              <a:rPr lang="en-US" dirty="0" err="1"/>
+              <a:t>Synsets</a:t>
+            </a:r>
             <a:r>
               <a:rPr lang="en-US" dirty="0"/>
-              <a:t>can support both students and computational applications</a:t>
-            </a:r>
-          </a:p>
-          <a:p>
+              <a:t> in WordNet? </a:t>
+            </a:r>
+          </a:p>
+          <a:p>
+            <a:pPr marL="0" indent="0">
+              <a:buNone/>
+            </a:pPr>
             <a:r>
               <a:rPr lang="en-US" dirty="0"/>
-              <a:t>aligns with semantic web principles, enabling integration with external knowledge bases like </a:t>
+              <a:t>Could the different interpretations be linked using VARTRANS </a:t>
             </a:r>
             <a:r>
               <a:rPr lang="en-US" dirty="0" err="1"/>
-              <a:t>Wikidata</a:t>
+              <a:t>senseRel</a:t>
             </a:r>
             <a:r>
               <a:rPr lang="en-US" dirty="0"/>
-              <a:t> and </a:t>
-            </a:r>
-            <a:r>
-              <a:rPr lang="en-US" dirty="0" err="1"/>
-              <a:t>LiLa</a:t>
-            </a:r>
+              <a:t>?</a:t>
+            </a:r>
+          </a:p>
+          <a:p>
+            <a:pPr marL="0" indent="0">
+              <a:buNone/>
+            </a:pPr>
             <a:r>
               <a:rPr lang="en-US" dirty="0"/>
-              <a:t>.</a:t>
-            </a:r>
-          </a:p>
-          <a:p>
-            <a:r>
-              <a:rPr lang="en-US" dirty="0"/>
-              <a:t>limits: its use assumes familiarity with RDF, SPARQL, and ontology-based modeling, which may limit accessibility for non-technical users</a:t>
-            </a:r>
-          </a:p>
-          <a:p>
-            <a:r>
-              <a:rPr lang="en-US" dirty="0"/>
-              <a:t>future work: expand the corpus and develop user-friendly interfaces</a:t>
-            </a:r>
-          </a:p>
-          <a:p>
+              <a:t>I did not provide a reference for these lexical senses, because I didn’t have an ontology but only a definition of the sense. Does this follow ONTOLEX best practices?</a:t>
+            </a:r>
+          </a:p>
+          <a:p>
+            <a:pPr marL="0" indent="0">
+              <a:buNone/>
+            </a:pPr>
             <a:endParaRPr lang="en-US" dirty="0"/>
           </a:p>
         </p:txBody>
@@ -28574,7 +28615,7 @@
           <p:cNvPr id="4" name="Slide Number Placeholder 3">
             <a:extLst>
               <a:ext uri="{FF2B5EF4-FFF2-40B4-BE49-F238E27FC236}">
-                <a16:creationId xmlns:a16="http://schemas.microsoft.com/office/drawing/2014/main" id="{76C3440C-B2EF-DEC5-D2EF-37693279C163}"/>
+                <a16:creationId xmlns:a16="http://schemas.microsoft.com/office/drawing/2014/main" id="{3FC86CE2-71A6-DFE1-B6FE-E6E8DB9C0DD0}"/>
               </a:ext>
             </a:extLst>
           </p:cNvPr>
@@ -28601,7 +28642,7 @@
     </p:spTree>
     <p:extLst>
       <p:ext uri="{BB962C8B-B14F-4D97-AF65-F5344CB8AC3E}">
-        <p14:creationId xmlns:p14="http://schemas.microsoft.com/office/powerpoint/2010/main" val="2459003792"/>
+        <p14:creationId xmlns:p14="http://schemas.microsoft.com/office/powerpoint/2010/main" val="1706635456"/>
       </p:ext>
     </p:extLst>
   </p:cSld>
@@ -28633,7 +28674,7 @@
           <p:cNvPr id="2" name="Title 1">
             <a:extLst>
               <a:ext uri="{FF2B5EF4-FFF2-40B4-BE49-F238E27FC236}">
-                <a16:creationId xmlns:a16="http://schemas.microsoft.com/office/drawing/2014/main" id="{03EEB919-4F65-4B5E-ADF3-272AD780E102}"/>
+                <a16:creationId xmlns:a16="http://schemas.microsoft.com/office/drawing/2014/main" id="{95AEBEBF-8282-66BE-285C-D6BACF047FC3}"/>
               </a:ext>
             </a:extLst>
           </p:cNvPr>
@@ -28650,6 +28691,391 @@
           <a:lstStyle/>
           <a:p>
             <a:r>
+              <a:rPr lang="en-US" dirty="0"/>
+              <a:t>Conclusion</a:t>
+            </a:r>
+          </a:p>
+        </p:txBody>
+      </p:sp>
+      <p:sp>
+        <p:nvSpPr>
+          <p:cNvPr id="3" name="Content Placeholder 2">
+            <a:extLst>
+              <a:ext uri="{FF2B5EF4-FFF2-40B4-BE49-F238E27FC236}">
+                <a16:creationId xmlns:a16="http://schemas.microsoft.com/office/drawing/2014/main" id="{8C782549-67BF-2D65-BE1F-FC9CF5AA615E}"/>
+              </a:ext>
+            </a:extLst>
+          </p:cNvPr>
+          <p:cNvSpPr>
+            <a:spLocks noGrp="1"/>
+          </p:cNvSpPr>
+          <p:nvPr>
+            <p:ph idx="1"/>
+          </p:nvPr>
+        </p:nvSpPr>
+        <p:spPr>
+          <a:xfrm>
+            <a:off x="1115568" y="2174033"/>
+            <a:ext cx="10168128" cy="3998167"/>
+          </a:xfrm>
+        </p:spPr>
+        <p:txBody>
+          <a:bodyPr>
+            <a:normAutofit fontScale="70000" lnSpcReduction="20000"/>
+          </a:bodyPr>
+          <a:lstStyle/>
+          <a:p>
+            <a:r>
+              <a:rPr lang="en-US" dirty="0"/>
+              <a:t>this project presents a structured and interoperable dataset of Latin philosophical expressions</a:t>
+            </a:r>
+          </a:p>
+          <a:p>
+            <a:r>
+              <a:rPr lang="en-US" dirty="0"/>
+              <a:t>the resource is modeled using Linked Data standards (ONTOLEX, SKOS, and POWLA). </a:t>
+            </a:r>
+          </a:p>
+          <a:p>
+            <a:r>
+              <a:rPr lang="en-US" dirty="0"/>
+              <a:t>combines syntactic analysis with semantic and conceptual annotation</a:t>
+            </a:r>
+          </a:p>
+          <a:p>
+            <a:r>
+              <a:rPr lang="en-US" dirty="0"/>
+              <a:t>can support both students and computational applications</a:t>
+            </a:r>
+          </a:p>
+          <a:p>
+            <a:r>
+              <a:rPr lang="en-US" dirty="0"/>
+              <a:t>aligns with semantic web principles, enabling integration with external knowledge bases like </a:t>
+            </a:r>
+            <a:r>
+              <a:rPr lang="en-US" dirty="0" err="1"/>
+              <a:t>Wikidata</a:t>
+            </a:r>
+            <a:r>
+              <a:rPr lang="en-US" dirty="0"/>
+              <a:t> and </a:t>
+            </a:r>
+            <a:r>
+              <a:rPr lang="en-US" dirty="0" err="1"/>
+              <a:t>LiLa</a:t>
+            </a:r>
+            <a:r>
+              <a:rPr lang="en-US" dirty="0"/>
+              <a:t>.</a:t>
+            </a:r>
+          </a:p>
+          <a:p>
+            <a:r>
+              <a:rPr lang="en-US" dirty="0"/>
+              <a:t>limits: its use assumes familiarity with RDF, SPARQL, and ontology-based modeling, which may limit accessibility for non-technical users</a:t>
+            </a:r>
+          </a:p>
+          <a:p>
+            <a:r>
+              <a:rPr lang="en-US" dirty="0"/>
+              <a:t>future work: expand the corpus and develop user-friendly interfaces</a:t>
+            </a:r>
+          </a:p>
+          <a:p>
+            <a:endParaRPr lang="en-US" dirty="0"/>
+          </a:p>
+        </p:txBody>
+      </p:sp>
+      <p:sp>
+        <p:nvSpPr>
+          <p:cNvPr id="4" name="Slide Number Placeholder 3">
+            <a:extLst>
+              <a:ext uri="{FF2B5EF4-FFF2-40B4-BE49-F238E27FC236}">
+                <a16:creationId xmlns:a16="http://schemas.microsoft.com/office/drawing/2014/main" id="{76C3440C-B2EF-DEC5-D2EF-37693279C163}"/>
+              </a:ext>
+            </a:extLst>
+          </p:cNvPr>
+          <p:cNvSpPr>
+            <a:spLocks noGrp="1"/>
+          </p:cNvSpPr>
+          <p:nvPr>
+            <p:ph type="sldNum" sz="quarter" idx="12"/>
+          </p:nvPr>
+        </p:nvSpPr>
+        <p:spPr/>
+        <p:txBody>
+          <a:bodyPr/>
+          <a:lstStyle/>
+          <a:p>
+            <a:fld id="{A65A5C87-DF58-40C8-B092-1DE63DB4547E}" type="slidenum">
+              <a:rPr lang="en-US" smtClean="0"/>
+              <a:t>39</a:t>
+            </a:fld>
+            <a:endParaRPr lang="en-US" dirty="0"/>
+          </a:p>
+        </p:txBody>
+      </p:sp>
+    </p:spTree>
+    <p:extLst>
+      <p:ext uri="{BB962C8B-B14F-4D97-AF65-F5344CB8AC3E}">
+        <p14:creationId xmlns:p14="http://schemas.microsoft.com/office/powerpoint/2010/main" val="2459003792"/>
+      </p:ext>
+    </p:extLst>
+  </p:cSld>
+  <p:clrMapOvr>
+    <a:masterClrMapping/>
+  </p:clrMapOvr>
+</p:sld>
+</file>
+
+<file path=ppt/slides/slide4.xml><?xml version="1.0" encoding="utf-8"?>
+<p:sld xmlns:a="http://schemas.openxmlformats.org/drawingml/2006/main" xmlns:r="http://schemas.openxmlformats.org/officeDocument/2006/relationships" xmlns:p="http://schemas.openxmlformats.org/presentationml/2006/main">
+  <p:cSld>
+    <p:spTree>
+      <p:nvGrpSpPr>
+        <p:cNvPr id="1" name="">
+          <a:extLst>
+            <a:ext uri="{FF2B5EF4-FFF2-40B4-BE49-F238E27FC236}">
+              <a16:creationId xmlns:a16="http://schemas.microsoft.com/office/drawing/2014/main" id="{BC28CBEC-51D8-A63C-645F-4FBC43401559}"/>
+            </a:ext>
+          </a:extLst>
+        </p:cNvPr>
+        <p:cNvGrpSpPr/>
+        <p:nvPr/>
+      </p:nvGrpSpPr>
+      <p:grpSpPr>
+        <a:xfrm>
+          <a:off x="0" y="0"/>
+          <a:ext cx="0" cy="0"/>
+          <a:chOff x="0" y="0"/>
+          <a:chExt cx="0" cy="0"/>
+        </a:xfrm>
+      </p:grpSpPr>
+      <p:sp>
+        <p:nvSpPr>
+          <p:cNvPr id="7" name="Title 6">
+            <a:extLst>
+              <a:ext uri="{FF2B5EF4-FFF2-40B4-BE49-F238E27FC236}">
+                <a16:creationId xmlns:a16="http://schemas.microsoft.com/office/drawing/2014/main" id="{83CA95F8-BE0A-B320-4FAE-2D9FFD6326A5}"/>
+              </a:ext>
+            </a:extLst>
+          </p:cNvPr>
+          <p:cNvSpPr>
+            <a:spLocks noGrp="1"/>
+          </p:cNvSpPr>
+          <p:nvPr>
+            <p:ph type="title"/>
+          </p:nvPr>
+        </p:nvSpPr>
+        <p:spPr/>
+        <p:txBody>
+          <a:bodyPr/>
+          <a:lstStyle/>
+          <a:p>
+            <a:r>
+              <a:rPr lang="en-US" dirty="0"/>
+              <a:t>Latin philosophical expressions</a:t>
+            </a:r>
+          </a:p>
+        </p:txBody>
+      </p:sp>
+      <p:sp>
+        <p:nvSpPr>
+          <p:cNvPr id="3" name="Content Placeholder 2">
+            <a:extLst>
+              <a:ext uri="{FF2B5EF4-FFF2-40B4-BE49-F238E27FC236}">
+                <a16:creationId xmlns:a16="http://schemas.microsoft.com/office/drawing/2014/main" id="{5530EFE9-D489-E41D-546A-ED56A22E102F}"/>
+              </a:ext>
+            </a:extLst>
+          </p:cNvPr>
+          <p:cNvSpPr>
+            <a:spLocks noGrp="1"/>
+          </p:cNvSpPr>
+          <p:nvPr>
+            <p:ph idx="1"/>
+          </p:nvPr>
+        </p:nvSpPr>
+        <p:spPr/>
+        <p:txBody>
+          <a:bodyPr>
+            <a:noAutofit/>
+          </a:bodyPr>
+          <a:lstStyle/>
+          <a:p>
+            <a:pPr marL="0" indent="0">
+              <a:buNone/>
+            </a:pPr>
+            <a:r>
+              <a:rPr lang="en-US" sz="1800" dirty="0"/>
+              <a:t>Latin expressions like </a:t>
+            </a:r>
+            <a:r>
+              <a:rPr lang="en-US" sz="1800" i="1" dirty="0"/>
+              <a:t>“cogito, ergo sum” </a:t>
+            </a:r>
+            <a:r>
+              <a:rPr lang="en-US" sz="1800" dirty="0"/>
+              <a:t>or </a:t>
+            </a:r>
+            <a:r>
+              <a:rPr lang="en-US" sz="1800" i="1" dirty="0"/>
+              <a:t>“homo </a:t>
+            </a:r>
+            <a:r>
+              <a:rPr lang="en-US" sz="1800" i="1" dirty="0" err="1"/>
+              <a:t>homini</a:t>
+            </a:r>
+            <a:r>
+              <a:rPr lang="en-US" sz="1800" i="1" dirty="0"/>
+              <a:t> lupus” </a:t>
+            </a:r>
+            <a:r>
+              <a:rPr lang="en-US" sz="1800" dirty="0"/>
+              <a:t>are found in nearly every philosophy manual. These expressions are often:</a:t>
+            </a:r>
+          </a:p>
+          <a:p>
+            <a:pPr lvl="1"/>
+            <a:r>
+              <a:rPr lang="en-US" sz="1800" dirty="0"/>
+              <a:t>Central to a philosopher's worldview</a:t>
+            </a:r>
+          </a:p>
+          <a:p>
+            <a:pPr lvl="1"/>
+            <a:r>
+              <a:rPr lang="en-US" sz="1800" dirty="0"/>
+              <a:t>Full phrases or sentences, not just isolated words</a:t>
+            </a:r>
+          </a:p>
+          <a:p>
+            <a:pPr lvl="1"/>
+            <a:r>
+              <a:rPr lang="en-US" sz="1800" dirty="0"/>
+              <a:t>Rarely covered comprehensively in standard dictionaries</a:t>
+            </a:r>
+          </a:p>
+          <a:p>
+            <a:pPr marL="0" indent="0">
+              <a:buNone/>
+            </a:pPr>
+            <a:endParaRPr lang="en-US" sz="1800" dirty="0"/>
+          </a:p>
+          <a:p>
+            <a:pPr marL="0" indent="0">
+              <a:buNone/>
+            </a:pPr>
+            <a:r>
+              <a:rPr lang="en-US" sz="1800" dirty="0"/>
+              <a:t>Philosophy students sometimes lack a strong background in Latin, and may find it difficult to:</a:t>
+            </a:r>
+          </a:p>
+          <a:p>
+            <a:pPr lvl="1"/>
+            <a:r>
+              <a:rPr lang="en-US" sz="1800" dirty="0"/>
+              <a:t>Grasp literal meanings of these expressions</a:t>
+            </a:r>
+          </a:p>
+          <a:p>
+            <a:pPr lvl="1"/>
+            <a:r>
+              <a:rPr lang="en-US" sz="1800" dirty="0"/>
+              <a:t>Understand their grammatical structures</a:t>
+            </a:r>
+          </a:p>
+          <a:p>
+            <a:pPr lvl="1"/>
+            <a:r>
+              <a:rPr lang="en-US" sz="1800" dirty="0"/>
+              <a:t>Connect their linguistic form with philosophical content</a:t>
+            </a:r>
+          </a:p>
+        </p:txBody>
+      </p:sp>
+      <p:sp>
+        <p:nvSpPr>
+          <p:cNvPr id="4" name="Slide Number Placeholder 3">
+            <a:extLst>
+              <a:ext uri="{FF2B5EF4-FFF2-40B4-BE49-F238E27FC236}">
+                <a16:creationId xmlns:a16="http://schemas.microsoft.com/office/drawing/2014/main" id="{386A9DF8-64C7-D6F3-FB87-70BC4839F3F8}"/>
+              </a:ext>
+            </a:extLst>
+          </p:cNvPr>
+          <p:cNvSpPr>
+            <a:spLocks noGrp="1"/>
+          </p:cNvSpPr>
+          <p:nvPr>
+            <p:ph type="sldNum" sz="quarter" idx="12"/>
+          </p:nvPr>
+        </p:nvSpPr>
+        <p:spPr/>
+        <p:txBody>
+          <a:bodyPr/>
+          <a:lstStyle/>
+          <a:p>
+            <a:fld id="{A65A5C87-DF58-40C8-B092-1DE63DB4547E}" type="slidenum">
+              <a:rPr lang="en-US" smtClean="0"/>
+              <a:pPr/>
+              <a:t>4</a:t>
+            </a:fld>
+            <a:endParaRPr lang="en-US" dirty="0"/>
+          </a:p>
+        </p:txBody>
+      </p:sp>
+    </p:spTree>
+    <p:extLst>
+      <p:ext uri="{BB962C8B-B14F-4D97-AF65-F5344CB8AC3E}">
+        <p14:creationId xmlns:p14="http://schemas.microsoft.com/office/powerpoint/2010/main" val="782741477"/>
+      </p:ext>
+    </p:extLst>
+  </p:cSld>
+  <p:clrMapOvr>
+    <a:masterClrMapping/>
+  </p:clrMapOvr>
+</p:sld>
+</file>
+
+<file path=ppt/slides/slide40.xml><?xml version="1.0" encoding="utf-8"?>
+<p:sld xmlns:a="http://schemas.openxmlformats.org/drawingml/2006/main" xmlns:r="http://schemas.openxmlformats.org/officeDocument/2006/relationships" xmlns:p="http://schemas.openxmlformats.org/presentationml/2006/main">
+  <p:cSld>
+    <p:spTree>
+      <p:nvGrpSpPr>
+        <p:cNvPr id="1" name=""/>
+        <p:cNvGrpSpPr/>
+        <p:nvPr/>
+      </p:nvGrpSpPr>
+      <p:grpSpPr>
+        <a:xfrm>
+          <a:off x="0" y="0"/>
+          <a:ext cx="0" cy="0"/>
+          <a:chOff x="0" y="0"/>
+          <a:chExt cx="0" cy="0"/>
+        </a:xfrm>
+      </p:grpSpPr>
+      <p:sp>
+        <p:nvSpPr>
+          <p:cNvPr id="2" name="Title 1">
+            <a:extLst>
+              <a:ext uri="{FF2B5EF4-FFF2-40B4-BE49-F238E27FC236}">
+                <a16:creationId xmlns:a16="http://schemas.microsoft.com/office/drawing/2014/main" id="{03EEB919-4F65-4B5E-ADF3-272AD780E102}"/>
+              </a:ext>
+            </a:extLst>
+          </p:cNvPr>
+          <p:cNvSpPr>
+            <a:spLocks noGrp="1"/>
+          </p:cNvSpPr>
+          <p:nvPr>
+            <p:ph type="title"/>
+          </p:nvPr>
+        </p:nvSpPr>
+        <p:spPr/>
+        <p:txBody>
+          <a:bodyPr/>
+          <a:lstStyle/>
+          <a:p>
+            <a:r>
               <a:rPr lang="en-US" sz="4800" dirty="0"/>
               <a:t>Thank you</a:t>
             </a:r>
@@ -28708,7 +29134,7 @@
           <a:p>
             <a:fld id="{A65A5C87-DF58-40C8-B092-1DE63DB4547E}" type="slidenum">
               <a:rPr lang="en-US" smtClean="0"/>
-              <a:t>39</a:t>
+              <a:t>40</a:t>
             </a:fld>
             <a:endParaRPr lang="en-US" dirty="0"/>
           </a:p>
@@ -29199,214 +29625,6 @@
 </p:sld>
 </file>
 
-<file path=ppt/slides/slide4.xml><?xml version="1.0" encoding="utf-8"?>
-<p:sld xmlns:a="http://schemas.openxmlformats.org/drawingml/2006/main" xmlns:r="http://schemas.openxmlformats.org/officeDocument/2006/relationships" xmlns:p="http://schemas.openxmlformats.org/presentationml/2006/main">
-  <p:cSld>
-    <p:spTree>
-      <p:nvGrpSpPr>
-        <p:cNvPr id="1" name="">
-          <a:extLst>
-            <a:ext uri="{FF2B5EF4-FFF2-40B4-BE49-F238E27FC236}">
-              <a16:creationId xmlns:a16="http://schemas.microsoft.com/office/drawing/2014/main" id="{BC28CBEC-51D8-A63C-645F-4FBC43401559}"/>
-            </a:ext>
-          </a:extLst>
-        </p:cNvPr>
-        <p:cNvGrpSpPr/>
-        <p:nvPr/>
-      </p:nvGrpSpPr>
-      <p:grpSpPr>
-        <a:xfrm>
-          <a:off x="0" y="0"/>
-          <a:ext cx="0" cy="0"/>
-          <a:chOff x="0" y="0"/>
-          <a:chExt cx="0" cy="0"/>
-        </a:xfrm>
-      </p:grpSpPr>
-      <p:sp>
-        <p:nvSpPr>
-          <p:cNvPr id="7" name="Title 6">
-            <a:extLst>
-              <a:ext uri="{FF2B5EF4-FFF2-40B4-BE49-F238E27FC236}">
-                <a16:creationId xmlns:a16="http://schemas.microsoft.com/office/drawing/2014/main" id="{83CA95F8-BE0A-B320-4FAE-2D9FFD6326A5}"/>
-              </a:ext>
-            </a:extLst>
-          </p:cNvPr>
-          <p:cNvSpPr>
-            <a:spLocks noGrp="1"/>
-          </p:cNvSpPr>
-          <p:nvPr>
-            <p:ph type="title"/>
-          </p:nvPr>
-        </p:nvSpPr>
-        <p:spPr/>
-        <p:txBody>
-          <a:bodyPr/>
-          <a:lstStyle/>
-          <a:p>
-            <a:r>
-              <a:rPr lang="en-US" dirty="0"/>
-              <a:t>Latin philosophical expressions</a:t>
-            </a:r>
-          </a:p>
-        </p:txBody>
-      </p:sp>
-      <p:sp>
-        <p:nvSpPr>
-          <p:cNvPr id="3" name="Content Placeholder 2">
-            <a:extLst>
-              <a:ext uri="{FF2B5EF4-FFF2-40B4-BE49-F238E27FC236}">
-                <a16:creationId xmlns:a16="http://schemas.microsoft.com/office/drawing/2014/main" id="{5530EFE9-D489-E41D-546A-ED56A22E102F}"/>
-              </a:ext>
-            </a:extLst>
-          </p:cNvPr>
-          <p:cNvSpPr>
-            <a:spLocks noGrp="1"/>
-          </p:cNvSpPr>
-          <p:nvPr>
-            <p:ph idx="1"/>
-          </p:nvPr>
-        </p:nvSpPr>
-        <p:spPr/>
-        <p:txBody>
-          <a:bodyPr>
-            <a:noAutofit/>
-          </a:bodyPr>
-          <a:lstStyle/>
-          <a:p>
-            <a:pPr marL="0" indent="0">
-              <a:buNone/>
-            </a:pPr>
-            <a:r>
-              <a:rPr lang="en-US" sz="1800" dirty="0"/>
-              <a:t>Latin expressions like </a:t>
-            </a:r>
-            <a:r>
-              <a:rPr lang="en-US" sz="1800" i="1" dirty="0"/>
-              <a:t>“cogito ergo sum” </a:t>
-            </a:r>
-            <a:r>
-              <a:rPr lang="en-US" sz="1800" dirty="0"/>
-              <a:t>or </a:t>
-            </a:r>
-            <a:r>
-              <a:rPr lang="en-US" sz="1800" i="1" dirty="0"/>
-              <a:t>“homo </a:t>
-            </a:r>
-            <a:r>
-              <a:rPr lang="en-US" sz="1800" i="1" dirty="0" err="1"/>
-              <a:t>homini</a:t>
-            </a:r>
-            <a:r>
-              <a:rPr lang="en-US" sz="1800" i="1" dirty="0"/>
-              <a:t> lupus” </a:t>
-            </a:r>
-            <a:r>
-              <a:rPr lang="en-US" sz="1800" dirty="0"/>
-              <a:t>are found in nearly every philosophy manual. These expressions are often:</a:t>
-            </a:r>
-          </a:p>
-          <a:p>
-            <a:pPr lvl="1"/>
-            <a:r>
-              <a:rPr lang="en-US" sz="1800" dirty="0"/>
-              <a:t>Central to a philosopher's worldview</a:t>
-            </a:r>
-          </a:p>
-          <a:p>
-            <a:pPr lvl="1"/>
-            <a:r>
-              <a:rPr lang="en-US" sz="1800" dirty="0"/>
-              <a:t>Full phrases or sentences, not just isolated words</a:t>
-            </a:r>
-          </a:p>
-          <a:p>
-            <a:pPr lvl="1"/>
-            <a:r>
-              <a:rPr lang="en-US" sz="1800" dirty="0"/>
-              <a:t>Rarely covered comprehensively in standard dictionaries</a:t>
-            </a:r>
-          </a:p>
-          <a:p>
-            <a:pPr marL="0" indent="0">
-              <a:buNone/>
-            </a:pPr>
-            <a:endParaRPr lang="en-US" sz="1800" dirty="0"/>
-          </a:p>
-          <a:p>
-            <a:pPr marL="0" indent="0">
-              <a:buNone/>
-            </a:pPr>
-            <a:r>
-              <a:rPr lang="en-US" sz="1800" dirty="0"/>
-              <a:t>Philosophy students sometimes lack a strong background in Latin, making it difficult to:</a:t>
-            </a:r>
-          </a:p>
-          <a:p>
-            <a:pPr lvl="1"/>
-            <a:r>
-              <a:rPr lang="en-US" sz="1800" dirty="0"/>
-              <a:t>Grasp literal meanings of these expressions</a:t>
-            </a:r>
-          </a:p>
-          <a:p>
-            <a:pPr lvl="1"/>
-            <a:r>
-              <a:rPr lang="en-US" sz="1800" dirty="0"/>
-              <a:t>Understand their grammatical structures</a:t>
-            </a:r>
-          </a:p>
-          <a:p>
-            <a:pPr lvl="1"/>
-            <a:r>
-              <a:rPr lang="en-US" sz="1800" dirty="0"/>
-              <a:t>Connect their linguistic form with philosophical content</a:t>
-            </a:r>
-          </a:p>
-        </p:txBody>
-      </p:sp>
-      <p:sp>
-        <p:nvSpPr>
-          <p:cNvPr id="4" name="Slide Number Placeholder 3">
-            <a:extLst>
-              <a:ext uri="{FF2B5EF4-FFF2-40B4-BE49-F238E27FC236}">
-                <a16:creationId xmlns:a16="http://schemas.microsoft.com/office/drawing/2014/main" id="{386A9DF8-64C7-D6F3-FB87-70BC4839F3F8}"/>
-              </a:ext>
-            </a:extLst>
-          </p:cNvPr>
-          <p:cNvSpPr>
-            <a:spLocks noGrp="1"/>
-          </p:cNvSpPr>
-          <p:nvPr>
-            <p:ph type="sldNum" sz="quarter" idx="12"/>
-          </p:nvPr>
-        </p:nvSpPr>
-        <p:spPr/>
-        <p:txBody>
-          <a:bodyPr/>
-          <a:lstStyle/>
-          <a:p>
-            <a:fld id="{A65A5C87-DF58-40C8-B092-1DE63DB4547E}" type="slidenum">
-              <a:rPr lang="en-US" smtClean="0"/>
-              <a:pPr/>
-              <a:t>4</a:t>
-            </a:fld>
-            <a:endParaRPr lang="en-US" dirty="0"/>
-          </a:p>
-        </p:txBody>
-      </p:sp>
-    </p:spTree>
-    <p:extLst>
-      <p:ext uri="{BB962C8B-B14F-4D97-AF65-F5344CB8AC3E}">
-        <p14:creationId xmlns:p14="http://schemas.microsoft.com/office/powerpoint/2010/main" val="782741477"/>
-      </p:ext>
-    </p:extLst>
-  </p:cSld>
-  <p:clrMapOvr>
-    <a:masterClrMapping/>
-  </p:clrMapOvr>
-</p:sld>
-</file>
-
 <file path=ppt/slides/slide5.xml><?xml version="1.0" encoding="utf-8"?>
 <p:sld xmlns:a="http://schemas.openxmlformats.org/drawingml/2006/main" xmlns:r="http://schemas.openxmlformats.org/officeDocument/2006/relationships" xmlns:p="http://schemas.openxmlformats.org/presentationml/2006/main">
   <p:cSld>
@@ -30362,7 +30580,7 @@
             </a:pPr>
             <a:r>
               <a:rPr lang="en-US" dirty="0"/>
-              <a:t>Added additional expressions (e.g., </a:t>
+              <a:t>Included additional expressions (e.g., </a:t>
             </a:r>
             <a:r>
               <a:rPr lang="en-US" i="1" dirty="0"/>
@@ -31257,6 +31475,24 @@
 </file>
 
 <file path=customXml/item1.xml><?xml version="1.0" encoding="utf-8"?>
+<?mso-contentType ?>
+<FormTemplates xmlns="http://schemas.microsoft.com/sharepoint/v3/contenttype/forms">
+  <Display>DocumentLibraryForm</Display>
+  <Edit>DocumentLibraryForm</Edit>
+  <New>DocumentLibraryForm</New>
+</FormTemplates>
+</file>
+
+<file path=customXml/item2.xml><?xml version="1.0" encoding="utf-8"?>
+<p:properties xmlns:p="http://schemas.microsoft.com/office/2006/metadata/properties" xmlns:xsi="http://www.w3.org/2001/XMLSchema-instance" xmlns:pc="http://schemas.microsoft.com/office/infopath/2007/PartnerControls">
+  <documentManagement>
+    <Status xmlns="71af3243-3dd4-4a8d-8c0d-dd76da1f02a5">Not started</Status>
+    <MediaServiceKeyPoints xmlns="71af3243-3dd4-4a8d-8c0d-dd76da1f02a5" xsi:nil="true"/>
+  </documentManagement>
+</p:properties>
+</file>
+
+<file path=customXml/item3.xml><?xml version="1.0" encoding="utf-8"?>
 <ct:contentTypeSchema xmlns:ct="http://schemas.microsoft.com/office/2006/metadata/contentType" xmlns:ma="http://schemas.microsoft.com/office/2006/metadata/properties/metaAttributes" ct:_="" ma:_="" ma:contentTypeName="Document" ma:contentTypeID="0x01010079F111ED35F8CC479449609E8A0923A6" ma:contentTypeVersion="12" ma:contentTypeDescription="Create a new document." ma:contentTypeScope="" ma:versionID="426e97fa315356fffbdcd9876fe988c2">
   <xsd:schema xmlns:xsd="http://www.w3.org/2001/XMLSchema" xmlns:xs="http://www.w3.org/2001/XMLSchema" xmlns:p="http://schemas.microsoft.com/office/2006/metadata/properties" xmlns:ns2="71af3243-3dd4-4a8d-8c0d-dd76da1f02a5" xmlns:ns3="16c05727-aa75-4e4a-9b5f-8a80a1165891" targetNamespace="http://schemas.microsoft.com/office/2006/metadata/properties" ma:root="true" ma:fieldsID="14b8f0def80e6d70ce3def20c90759ae" ns2:_="" ns3:_="">
     <xsd:import namespace="71af3243-3dd4-4a8d-8c0d-dd76da1f02a5"/>
@@ -31477,25 +31713,32 @@
 </ct:contentTypeSchema>
 </file>
 
-<file path=customXml/item2.xml><?xml version="1.0" encoding="utf-8"?>
-<?mso-contentType ?>
-<FormTemplates xmlns="http://schemas.microsoft.com/sharepoint/v3/contenttype/forms">
-  <Display>DocumentLibraryForm</Display>
-  <Edit>DocumentLibraryForm</Edit>
-  <New>DocumentLibraryForm</New>
-</FormTemplates>
+<file path=customXml/itemProps1.xml><?xml version="1.0" encoding="utf-8"?>
+<ds:datastoreItem xmlns:ds="http://schemas.openxmlformats.org/officeDocument/2006/customXml" ds:itemID="{B927DC71-2909-427C-BDB0-3E47E2101517}">
+  <ds:schemaRefs>
+    <ds:schemaRef ds:uri="http://schemas.microsoft.com/sharepoint/v3/contenttype/forms"/>
+  </ds:schemaRefs>
+</ds:datastoreItem>
 </file>
 
-<file path=customXml/item3.xml><?xml version="1.0" encoding="utf-8"?>
-<p:properties xmlns:p="http://schemas.microsoft.com/office/2006/metadata/properties" xmlns:xsi="http://www.w3.org/2001/XMLSchema-instance" xmlns:pc="http://schemas.microsoft.com/office/infopath/2007/PartnerControls">
-  <documentManagement>
-    <Status xmlns="71af3243-3dd4-4a8d-8c0d-dd76da1f02a5">Not started</Status>
-    <MediaServiceKeyPoints xmlns="71af3243-3dd4-4a8d-8c0d-dd76da1f02a5" xsi:nil="true"/>
-  </documentManagement>
-</p:properties>
+<file path=customXml/itemProps2.xml><?xml version="1.0" encoding="utf-8"?>
+<ds:datastoreItem xmlns:ds="http://schemas.openxmlformats.org/officeDocument/2006/customXml" ds:itemID="{290D7697-8E53-4EA8-8CBB-9C19575257BF}">
+  <ds:schemaRefs>
+    <ds:schemaRef ds:uri="http://purl.org/dc/terms/"/>
+    <ds:schemaRef ds:uri="71af3243-3dd4-4a8d-8c0d-dd76da1f02a5"/>
+    <ds:schemaRef ds:uri="http://schemas.microsoft.com/office/2006/metadata/properties"/>
+    <ds:schemaRef ds:uri="http://purl.org/dc/elements/1.1/"/>
+    <ds:schemaRef ds:uri="http://schemas.microsoft.com/office/infopath/2007/PartnerControls"/>
+    <ds:schemaRef ds:uri="http://schemas.microsoft.com/office/2006/documentManagement/types"/>
+    <ds:schemaRef ds:uri="16c05727-aa75-4e4a-9b5f-8a80a1165891"/>
+    <ds:schemaRef ds:uri="http://www.w3.org/XML/1998/namespace"/>
+    <ds:schemaRef ds:uri="http://schemas.openxmlformats.org/package/2006/metadata/core-properties"/>
+    <ds:schemaRef ds:uri="http://purl.org/dc/dcmitype/"/>
+  </ds:schemaRefs>
+</ds:datastoreItem>
 </file>
 
-<file path=customXml/itemProps1.xml><?xml version="1.0" encoding="utf-8"?>
+<file path=customXml/itemProps3.xml><?xml version="1.0" encoding="utf-8"?>
 <ds:datastoreItem xmlns:ds="http://schemas.openxmlformats.org/officeDocument/2006/customXml" ds:itemID="{1DF0A252-5923-47A2-A53A-F9BF72908919}">
   <ds:schemaRefs>
     <ds:schemaRef ds:uri="http://schemas.microsoft.com/office/2006/metadata/contentType"/>
@@ -31514,31 +31757,6 @@
 </ds:datastoreItem>
 </file>
 
-<file path=customXml/itemProps2.xml><?xml version="1.0" encoding="utf-8"?>
-<ds:datastoreItem xmlns:ds="http://schemas.openxmlformats.org/officeDocument/2006/customXml" ds:itemID="{B927DC71-2909-427C-BDB0-3E47E2101517}">
-  <ds:schemaRefs>
-    <ds:schemaRef ds:uri="http://schemas.microsoft.com/sharepoint/v3/contenttype/forms"/>
-  </ds:schemaRefs>
-</ds:datastoreItem>
-</file>
-
-<file path=customXml/itemProps3.xml><?xml version="1.0" encoding="utf-8"?>
-<ds:datastoreItem xmlns:ds="http://schemas.openxmlformats.org/officeDocument/2006/customXml" ds:itemID="{290D7697-8E53-4EA8-8CBB-9C19575257BF}">
-  <ds:schemaRefs>
-    <ds:schemaRef ds:uri="http://purl.org/dc/terms/"/>
-    <ds:schemaRef ds:uri="71af3243-3dd4-4a8d-8c0d-dd76da1f02a5"/>
-    <ds:schemaRef ds:uri="http://schemas.microsoft.com/office/2006/metadata/properties"/>
-    <ds:schemaRef ds:uri="http://purl.org/dc/elements/1.1/"/>
-    <ds:schemaRef ds:uri="http://schemas.microsoft.com/office/infopath/2007/PartnerControls"/>
-    <ds:schemaRef ds:uri="http://schemas.microsoft.com/office/2006/documentManagement/types"/>
-    <ds:schemaRef ds:uri="16c05727-aa75-4e4a-9b5f-8a80a1165891"/>
-    <ds:schemaRef ds:uri="http://www.w3.org/XML/1998/namespace"/>
-    <ds:schemaRef ds:uri="http://schemas.openxmlformats.org/package/2006/metadata/core-properties"/>
-    <ds:schemaRef ds:uri="http://purl.org/dc/dcmitype/"/>
-  </ds:schemaRefs>
-</ds:datastoreItem>
-</file>
-
 <file path=docMetadata/LabelInfo.xml><?xml version="1.0" encoding="utf-8"?>
 <clbl:labelList xmlns:clbl="http://schemas.microsoft.com/office/2020/mipLabelMetadata">
   <clbl:label id="{6c9bfeca-8902-4dc7-9862-34cfbaed67d0}" enabled="1" method="Standard" siteId="{42151053-0193-47aa-9e81-effd81f772cc}" contentBits="0" removed="0"/>
